--- a/ppt/tmp/tmp_ppt.pptx
+++ b/ppt/tmp/tmp_ppt.pptx
@@ -5,7 +5,7 @@
     <p:sldMasterId id="2147483648" r:id="rId1"/>
   </p:sldMasterIdLst>
   <p:notesMasterIdLst>
-    <p:notesMasterId r:id="rId16"/>
+    <p:notesMasterId r:id="rId17"/>
   </p:notesMasterIdLst>
   <p:sldIdLst>
     <p:sldId id="267" r:id="rId2"/>
@@ -18,10 +18,11 @@
     <p:sldId id="282" r:id="rId9"/>
     <p:sldId id="283" r:id="rId10"/>
     <p:sldId id="286" r:id="rId11"/>
-    <p:sldId id="257" r:id="rId12"/>
-    <p:sldId id="265" r:id="rId13"/>
-    <p:sldId id="266" r:id="rId14"/>
-    <p:sldId id="288" r:id="rId15"/>
+    <p:sldId id="291" r:id="rId12"/>
+    <p:sldId id="257" r:id="rId13"/>
+    <p:sldId id="265" r:id="rId14"/>
+    <p:sldId id="266" r:id="rId15"/>
+    <p:sldId id="288" r:id="rId16"/>
   </p:sldIdLst>
   <p:sldSz cx="12192000" cy="6858000"/>
   <p:notesSz cx="6858000" cy="9144000"/>
@@ -129,6 +130,18 @@
     </p:ext>
   </p:extLst>
 </p:presentation>
+</file>
+
+<file path=ppt/commentAuthors.xml><?xml version="1.0" encoding="utf-8"?>
+<p:cmAuthorLst xmlns:a="http://schemas.openxmlformats.org/drawingml/2006/main" xmlns:r="http://schemas.openxmlformats.org/officeDocument/2006/relationships" xmlns:p="http://schemas.openxmlformats.org/presentationml/2006/main">
+  <p:cmAuthor id="1" name="원중 김" initials="원김" lastIdx="1" clrIdx="0">
+    <p:extLst>
+      <p:ext uri="{19B8F6BF-5375-455C-9EA6-DF929625EA0E}">
+        <p15:presenceInfo xmlns:p15="http://schemas.microsoft.com/office/powerpoint/2012/main" userId="baa5b75114cfa3e3" providerId="Windows Live"/>
+      </p:ext>
+    </p:extLst>
+  </p:cmAuthor>
+</p:cmAuthorLst>
 </file>
 
 <file path=ppt/charts/chart1.xml><?xml version="1.0" encoding="utf-8"?>
@@ -5941,6 +5954,20 @@
 </cs:chartStyle>
 </file>
 
+<file path=ppt/comments/comment1.xml><?xml version="1.0" encoding="utf-8"?>
+<p:cmLst xmlns:a="http://schemas.openxmlformats.org/drawingml/2006/main" xmlns:r="http://schemas.openxmlformats.org/officeDocument/2006/relationships" xmlns:p="http://schemas.openxmlformats.org/presentationml/2006/main">
+  <p:cm authorId="1" dt="2020-08-11T13:43:44.761" idx="1">
+    <p:pos x="10" y="10"/>
+    <p:text/>
+    <p:extLst>
+      <p:ext uri="{C676402C-5697-4E1C-873F-D02D1690AC5C}">
+        <p15:threadingInfo xmlns:p15="http://schemas.microsoft.com/office/powerpoint/2012/main" timeZoneBias="-540"/>
+      </p:ext>
+    </p:extLst>
+  </p:cm>
+</p:cmLst>
+</file>
+
 <file path=ppt/notesMasters/notesMaster1.xml><?xml version="1.0" encoding="utf-8"?>
 <p:notesMaster xmlns:a="http://schemas.openxmlformats.org/drawingml/2006/main" xmlns:r="http://schemas.openxmlformats.org/officeDocument/2006/relationships" xmlns:p="http://schemas.openxmlformats.org/presentationml/2006/main">
   <p:cSld>
@@ -10666,6 +10693,628 @@
           <a:chExt cx="0" cy="0"/>
         </a:xfrm>
       </p:grpSpPr>
+      <p:grpSp>
+        <p:nvGrpSpPr>
+          <p:cNvPr id="46" name="그룹 45">
+            <a:extLst>
+              <a:ext uri="{FF2B5EF4-FFF2-40B4-BE49-F238E27FC236}">
+                <a16:creationId xmlns:a16="http://schemas.microsoft.com/office/drawing/2014/main" id="{407B0AC7-D205-4FB4-A651-FFDF832856B7}"/>
+              </a:ext>
+            </a:extLst>
+          </p:cNvPr>
+          <p:cNvGrpSpPr/>
+          <p:nvPr/>
+        </p:nvGrpSpPr>
+        <p:grpSpPr>
+          <a:xfrm>
+            <a:off x="1" y="-16542"/>
+            <a:ext cx="14512134" cy="870519"/>
+            <a:chOff x="1" y="-16542"/>
+            <a:chExt cx="14512134" cy="870519"/>
+          </a:xfrm>
+        </p:grpSpPr>
+        <p:pic>
+          <p:nvPicPr>
+            <p:cNvPr id="24" name="그림 23">
+              <a:extLst>
+                <a:ext uri="{FF2B5EF4-FFF2-40B4-BE49-F238E27FC236}">
+                  <a16:creationId xmlns:a16="http://schemas.microsoft.com/office/drawing/2014/main" id="{724DAB6E-6E8E-4CC7-84EF-E4E597EF75F0}"/>
+                </a:ext>
+              </a:extLst>
+            </p:cNvPr>
+            <p:cNvPicPr>
+              <a:picLocks noChangeAspect="1"/>
+            </p:cNvPicPr>
+            <p:nvPr/>
+          </p:nvPicPr>
+          <p:blipFill>
+            <a:blip r:embed="rId2">
+              <a:extLst>
+                <a:ext uri="{28A0092B-C50C-407E-A947-70E740481C1C}">
+                  <a14:useLocalDpi xmlns:a14="http://schemas.microsoft.com/office/drawing/2010/main" val="0"/>
+                </a:ext>
+              </a:extLst>
+            </a:blip>
+            <a:stretch>
+              <a:fillRect/>
+            </a:stretch>
+          </p:blipFill>
+          <p:spPr>
+            <a:xfrm>
+              <a:off x="1" y="-6181"/>
+              <a:ext cx="4837378" cy="433429"/>
+            </a:xfrm>
+            <a:prstGeom prst="rect">
+              <a:avLst/>
+            </a:prstGeom>
+          </p:spPr>
+        </p:pic>
+        <p:pic>
+          <p:nvPicPr>
+            <p:cNvPr id="36" name="그림 35">
+              <a:extLst>
+                <a:ext uri="{FF2B5EF4-FFF2-40B4-BE49-F238E27FC236}">
+                  <a16:creationId xmlns:a16="http://schemas.microsoft.com/office/drawing/2014/main" id="{BD3F4A53-089C-4A90-A908-AEEB082F2FD4}"/>
+                </a:ext>
+              </a:extLst>
+            </p:cNvPr>
+            <p:cNvPicPr>
+              <a:picLocks noChangeAspect="1"/>
+            </p:cNvPicPr>
+            <p:nvPr/>
+          </p:nvPicPr>
+          <p:blipFill>
+            <a:blip r:embed="rId2">
+              <a:extLst>
+                <a:ext uri="{28A0092B-C50C-407E-A947-70E740481C1C}">
+                  <a14:useLocalDpi xmlns:a14="http://schemas.microsoft.com/office/drawing/2010/main" val="0"/>
+                </a:ext>
+              </a:extLst>
+            </a:blip>
+            <a:stretch>
+              <a:fillRect/>
+            </a:stretch>
+          </p:blipFill>
+          <p:spPr>
+            <a:xfrm>
+              <a:off x="4837379" y="-6182"/>
+              <a:ext cx="4837378" cy="433429"/>
+            </a:xfrm>
+            <a:prstGeom prst="rect">
+              <a:avLst/>
+            </a:prstGeom>
+          </p:spPr>
+        </p:pic>
+        <p:pic>
+          <p:nvPicPr>
+            <p:cNvPr id="38" name="그림 37">
+              <a:extLst>
+                <a:ext uri="{FF2B5EF4-FFF2-40B4-BE49-F238E27FC236}">
+                  <a16:creationId xmlns:a16="http://schemas.microsoft.com/office/drawing/2014/main" id="{65E23B2B-92D8-454B-BEF4-1706392B5125}"/>
+                </a:ext>
+              </a:extLst>
+            </p:cNvPr>
+            <p:cNvPicPr>
+              <a:picLocks noChangeAspect="1"/>
+            </p:cNvPicPr>
+            <p:nvPr/>
+          </p:nvPicPr>
+          <p:blipFill>
+            <a:blip r:embed="rId2">
+              <a:extLst>
+                <a:ext uri="{28A0092B-C50C-407E-A947-70E740481C1C}">
+                  <a14:useLocalDpi xmlns:a14="http://schemas.microsoft.com/office/drawing/2010/main" val="0"/>
+                </a:ext>
+              </a:extLst>
+            </a:blip>
+            <a:stretch>
+              <a:fillRect/>
+            </a:stretch>
+          </p:blipFill>
+          <p:spPr>
+            <a:xfrm>
+              <a:off x="9674757" y="-16542"/>
+              <a:ext cx="4837378" cy="433429"/>
+            </a:xfrm>
+            <a:prstGeom prst="rect">
+              <a:avLst/>
+            </a:prstGeom>
+          </p:spPr>
+        </p:pic>
+        <p:pic>
+          <p:nvPicPr>
+            <p:cNvPr id="40" name="그림 39">
+              <a:extLst>
+                <a:ext uri="{FF2B5EF4-FFF2-40B4-BE49-F238E27FC236}">
+                  <a16:creationId xmlns:a16="http://schemas.microsoft.com/office/drawing/2014/main" id="{5E8AFCCA-09D7-44EC-BDF6-BE512AA53A37}"/>
+                </a:ext>
+              </a:extLst>
+            </p:cNvPr>
+            <p:cNvPicPr>
+              <a:picLocks noChangeAspect="1"/>
+            </p:cNvPicPr>
+            <p:nvPr/>
+          </p:nvPicPr>
+          <p:blipFill>
+            <a:blip r:embed="rId2">
+              <a:extLst>
+                <a:ext uri="{28A0092B-C50C-407E-A947-70E740481C1C}">
+                  <a14:useLocalDpi xmlns:a14="http://schemas.microsoft.com/office/drawing/2010/main" val="0"/>
+                </a:ext>
+              </a:extLst>
+            </a:blip>
+            <a:stretch>
+              <a:fillRect/>
+            </a:stretch>
+          </p:blipFill>
+          <p:spPr>
+            <a:xfrm>
+              <a:off x="1" y="416887"/>
+              <a:ext cx="4837378" cy="433429"/>
+            </a:xfrm>
+            <a:prstGeom prst="rect">
+              <a:avLst/>
+            </a:prstGeom>
+          </p:spPr>
+        </p:pic>
+        <p:pic>
+          <p:nvPicPr>
+            <p:cNvPr id="42" name="그림 41">
+              <a:extLst>
+                <a:ext uri="{FF2B5EF4-FFF2-40B4-BE49-F238E27FC236}">
+                  <a16:creationId xmlns:a16="http://schemas.microsoft.com/office/drawing/2014/main" id="{F81CF0A4-D639-4CF3-9B9D-8B5B0E08618C}"/>
+                </a:ext>
+              </a:extLst>
+            </p:cNvPr>
+            <p:cNvPicPr>
+              <a:picLocks noChangeAspect="1"/>
+            </p:cNvPicPr>
+            <p:nvPr/>
+          </p:nvPicPr>
+          <p:blipFill>
+            <a:blip r:embed="rId2">
+              <a:extLst>
+                <a:ext uri="{28A0092B-C50C-407E-A947-70E740481C1C}">
+                  <a14:useLocalDpi xmlns:a14="http://schemas.microsoft.com/office/drawing/2010/main" val="0"/>
+                </a:ext>
+              </a:extLst>
+            </a:blip>
+            <a:stretch>
+              <a:fillRect/>
+            </a:stretch>
+          </p:blipFill>
+          <p:spPr>
+            <a:xfrm>
+              <a:off x="4837379" y="418136"/>
+              <a:ext cx="4837378" cy="433429"/>
+            </a:xfrm>
+            <a:prstGeom prst="rect">
+              <a:avLst/>
+            </a:prstGeom>
+          </p:spPr>
+        </p:pic>
+        <p:pic>
+          <p:nvPicPr>
+            <p:cNvPr id="44" name="그림 43">
+              <a:extLst>
+                <a:ext uri="{FF2B5EF4-FFF2-40B4-BE49-F238E27FC236}">
+                  <a16:creationId xmlns:a16="http://schemas.microsoft.com/office/drawing/2014/main" id="{0C972225-AB38-48FA-BB1B-F02FB4372E9D}"/>
+                </a:ext>
+              </a:extLst>
+            </p:cNvPr>
+            <p:cNvPicPr>
+              <a:picLocks noChangeAspect="1"/>
+            </p:cNvPicPr>
+            <p:nvPr/>
+          </p:nvPicPr>
+          <p:blipFill>
+            <a:blip r:embed="rId2">
+              <a:extLst>
+                <a:ext uri="{28A0092B-C50C-407E-A947-70E740481C1C}">
+                  <a14:useLocalDpi xmlns:a14="http://schemas.microsoft.com/office/drawing/2010/main" val="0"/>
+                </a:ext>
+              </a:extLst>
+            </a:blip>
+            <a:stretch>
+              <a:fillRect/>
+            </a:stretch>
+          </p:blipFill>
+          <p:spPr>
+            <a:xfrm>
+              <a:off x="9674757" y="420548"/>
+              <a:ext cx="4837378" cy="433429"/>
+            </a:xfrm>
+            <a:prstGeom prst="rect">
+              <a:avLst/>
+            </a:prstGeom>
+          </p:spPr>
+        </p:pic>
+      </p:grpSp>
+      <p:sp>
+        <p:nvSpPr>
+          <p:cNvPr id="2" name="TextBox 1">
+            <a:extLst>
+              <a:ext uri="{FF2B5EF4-FFF2-40B4-BE49-F238E27FC236}">
+                <a16:creationId xmlns:a16="http://schemas.microsoft.com/office/drawing/2014/main" id="{60B945B9-D288-463D-857D-5127275EF6C7}"/>
+              </a:ext>
+            </a:extLst>
+          </p:cNvPr>
+          <p:cNvSpPr txBox="1"/>
+          <p:nvPr/>
+        </p:nvSpPr>
+        <p:spPr>
+          <a:xfrm>
+            <a:off x="286051" y="236757"/>
+            <a:ext cx="4551328" cy="461665"/>
+          </a:xfrm>
+          <a:prstGeom prst="rect">
+            <a:avLst/>
+          </a:prstGeom>
+          <a:noFill/>
+        </p:spPr>
+        <p:txBody>
+          <a:bodyPr wrap="square" rtlCol="0">
+            <a:spAutoFit/>
+          </a:bodyPr>
+          <a:lstStyle/>
+          <a:p>
+            <a:r>
+              <a:rPr lang="en-US" altLang="ko-KR" sz="2400" b="1" dirty="0">
+                <a:latin typeface="서울남산체 EB" panose="02020503020101020101" pitchFamily="18" charset="-127"/>
+                <a:ea typeface="서울남산체 EB" panose="02020503020101020101" pitchFamily="18" charset="-127"/>
+              </a:rPr>
+              <a:t>02. </a:t>
+            </a:r>
+            <a:r>
+              <a:rPr lang="ko-KR" altLang="en-US" sz="2400" b="1" dirty="0">
+                <a:latin typeface="서울남산체 EB" panose="02020503020101020101" pitchFamily="18" charset="-127"/>
+                <a:ea typeface="서울남산체 EB" panose="02020503020101020101" pitchFamily="18" charset="-127"/>
+              </a:rPr>
+              <a:t>데이터 분석</a:t>
+            </a:r>
+            <a:r>
+              <a:rPr lang="en-US" altLang="ko-KR" sz="2400" b="1" dirty="0">
+                <a:latin typeface="서울남산체 EB" panose="02020503020101020101" pitchFamily="18" charset="-127"/>
+                <a:ea typeface="서울남산체 EB" panose="02020503020101020101" pitchFamily="18" charset="-127"/>
+              </a:rPr>
+              <a:t>- K-</a:t>
+            </a:r>
+            <a:r>
+              <a:rPr lang="ko-KR" altLang="en-US" sz="2400" b="1" dirty="0">
+                <a:latin typeface="서울남산체 EB" panose="02020503020101020101" pitchFamily="18" charset="-127"/>
+                <a:ea typeface="서울남산체 EB" panose="02020503020101020101" pitchFamily="18" charset="-127"/>
+              </a:rPr>
+              <a:t>평균 군집화</a:t>
+            </a:r>
+          </a:p>
+        </p:txBody>
+      </p:sp>
+      <p:sp>
+        <p:nvSpPr>
+          <p:cNvPr id="3" name="TextBox 2">
+            <a:extLst>
+              <a:ext uri="{FF2B5EF4-FFF2-40B4-BE49-F238E27FC236}">
+                <a16:creationId xmlns:a16="http://schemas.microsoft.com/office/drawing/2014/main" id="{655C30BE-8561-45F5-AF06-50B1626DA7DD}"/>
+              </a:ext>
+            </a:extLst>
+          </p:cNvPr>
+          <p:cNvSpPr txBox="1"/>
+          <p:nvPr/>
+        </p:nvSpPr>
+        <p:spPr>
+          <a:xfrm>
+            <a:off x="808522" y="1209201"/>
+            <a:ext cx="9933272" cy="1200329"/>
+          </a:xfrm>
+          <a:prstGeom prst="rect">
+            <a:avLst/>
+          </a:prstGeom>
+          <a:noFill/>
+        </p:spPr>
+        <p:txBody>
+          <a:bodyPr wrap="square" rtlCol="0">
+            <a:spAutoFit/>
+          </a:bodyPr>
+          <a:lstStyle/>
+          <a:p>
+            <a:r>
+              <a:rPr lang="ko-KR" altLang="en-US" b="1" dirty="0"/>
+              <a:t> </a:t>
+            </a:r>
+            <a:r>
+              <a:rPr lang="en-US" altLang="ko-KR" b="1" dirty="0"/>
+              <a:t>T </a:t>
+            </a:r>
+            <a:r>
+              <a:rPr lang="ko-KR" altLang="en-US" b="1" dirty="0"/>
+              <a:t>검정</a:t>
+            </a:r>
+            <a:r>
+              <a:rPr lang="en-US" altLang="ko-KR" b="1" dirty="0"/>
+              <a:t>(T-Test)</a:t>
+            </a:r>
+            <a:r>
+              <a:rPr lang="ko-KR" altLang="en-US" b="1" dirty="0"/>
+              <a:t>이란</a:t>
+            </a:r>
+            <a:r>
+              <a:rPr lang="en-US" altLang="ko-KR" b="1" dirty="0"/>
+              <a:t>?</a:t>
+            </a:r>
+          </a:p>
+          <a:p>
+            <a:pPr marL="285750" indent="-285750">
+              <a:buFont typeface="Arial" panose="020B0604020202020204" pitchFamily="34" charset="0"/>
+              <a:buChar char="•"/>
+            </a:pPr>
+            <a:endParaRPr lang="en-US" altLang="ko-KR" dirty="0"/>
+          </a:p>
+          <a:p>
+            <a:r>
+              <a:rPr lang="en-US" altLang="ko-KR" dirty="0"/>
+              <a:t>: </a:t>
+            </a:r>
+            <a:r>
+              <a:rPr lang="ko-KR" altLang="en-US" dirty="0"/>
+              <a:t>두 집단 간의 평균의 차이가 유의미한 지 검증하는 보편적인 통계 방법</a:t>
+            </a:r>
+            <a:endParaRPr lang="en-US" altLang="ko-KR" dirty="0"/>
+          </a:p>
+          <a:p>
+            <a:pPr marL="285750" indent="-285750">
+              <a:buFont typeface="Arial" panose="020B0604020202020204" pitchFamily="34" charset="0"/>
+              <a:buChar char="•"/>
+            </a:pPr>
+            <a:endParaRPr lang="en-US" altLang="ko-KR" dirty="0"/>
+          </a:p>
+        </p:txBody>
+      </p:sp>
+      <p:pic>
+        <p:nvPicPr>
+          <p:cNvPr id="6" name="그림 5" descr="조류이(가) 표시된 사진&#10;&#10;자동 생성된 설명">
+            <a:extLst>
+              <a:ext uri="{FF2B5EF4-FFF2-40B4-BE49-F238E27FC236}">
+                <a16:creationId xmlns:a16="http://schemas.microsoft.com/office/drawing/2014/main" id="{3C0F30EE-FEFF-4E68-BF7F-41057E58F2D1}"/>
+              </a:ext>
+            </a:extLst>
+          </p:cNvPr>
+          <p:cNvPicPr>
+            <a:picLocks noChangeAspect="1"/>
+          </p:cNvPicPr>
+          <p:nvPr/>
+        </p:nvPicPr>
+        <p:blipFill>
+          <a:blip r:embed="rId3">
+            <a:extLst>
+              <a:ext uri="{28A0092B-C50C-407E-A947-70E740481C1C}">
+                <a14:useLocalDpi xmlns:a14="http://schemas.microsoft.com/office/drawing/2010/main" val="0"/>
+              </a:ext>
+            </a:extLst>
+          </a:blip>
+          <a:stretch>
+            <a:fillRect/>
+          </a:stretch>
+        </p:blipFill>
+        <p:spPr>
+          <a:xfrm>
+            <a:off x="6096000" y="2409530"/>
+            <a:ext cx="4740149" cy="2489729"/>
+          </a:xfrm>
+          <a:prstGeom prst="rect">
+            <a:avLst/>
+          </a:prstGeom>
+        </p:spPr>
+      </p:pic>
+      <p:sp>
+        <p:nvSpPr>
+          <p:cNvPr id="8" name="TextBox 7">
+            <a:extLst>
+              <a:ext uri="{FF2B5EF4-FFF2-40B4-BE49-F238E27FC236}">
+                <a16:creationId xmlns:a16="http://schemas.microsoft.com/office/drawing/2014/main" id="{41099F1F-92F5-4D0A-85D0-16229F69CD08}"/>
+              </a:ext>
+            </a:extLst>
+          </p:cNvPr>
+          <p:cNvSpPr txBox="1"/>
+          <p:nvPr/>
+        </p:nvSpPr>
+        <p:spPr>
+          <a:xfrm>
+            <a:off x="914400" y="2858309"/>
+            <a:ext cx="4860758" cy="2031325"/>
+          </a:xfrm>
+          <a:prstGeom prst="rect">
+            <a:avLst/>
+          </a:prstGeom>
+          <a:noFill/>
+        </p:spPr>
+        <p:txBody>
+          <a:bodyPr wrap="square" rtlCol="0">
+            <a:spAutoFit/>
+          </a:bodyPr>
+          <a:lstStyle/>
+          <a:p>
+            <a:pPr algn="l"/>
+            <a:r>
+              <a:rPr lang="ko-KR" altLang="en-US" b="1" dirty="0"/>
+              <a:t>분석 출력 결과 </a:t>
+            </a:r>
+            <a:endParaRPr lang="en-US" altLang="ko-KR" b="1" dirty="0"/>
+          </a:p>
+          <a:p>
+            <a:pPr algn="l"/>
+            <a:endParaRPr lang="en-US" altLang="ko-KR" b="1" dirty="0"/>
+          </a:p>
+          <a:p>
+            <a:pPr marL="285750" indent="-285750" algn="l">
+              <a:buFont typeface="Arial" panose="020B0604020202020204" pitchFamily="34" charset="0"/>
+              <a:buChar char="•"/>
+            </a:pPr>
+            <a:r>
+              <a:rPr lang="en-US" altLang="ko-KR" dirty="0"/>
+              <a:t>t </a:t>
+            </a:r>
+          </a:p>
+          <a:p>
+            <a:pPr marL="285750" indent="-285750" algn="l">
+              <a:buFont typeface="Arial" panose="020B0604020202020204" pitchFamily="34" charset="0"/>
+              <a:buChar char="•"/>
+            </a:pPr>
+            <a:r>
+              <a:rPr lang="en-US" altLang="ko-KR" dirty="0"/>
+              <a:t>df </a:t>
+            </a:r>
+          </a:p>
+          <a:p>
+            <a:pPr marL="285750" indent="-285750" algn="l">
+              <a:buFont typeface="Arial" panose="020B0604020202020204" pitchFamily="34" charset="0"/>
+              <a:buChar char="•"/>
+            </a:pPr>
+            <a:r>
+              <a:rPr lang="en-US" altLang="ko-KR" dirty="0"/>
+              <a:t>p-value </a:t>
+            </a:r>
+          </a:p>
+          <a:p>
+            <a:pPr marL="285750" indent="-285750" algn="l">
+              <a:buFont typeface="Arial" panose="020B0604020202020204" pitchFamily="34" charset="0"/>
+              <a:buChar char="•"/>
+            </a:pPr>
+            <a:r>
+              <a:rPr lang="en-US" altLang="ko-KR" dirty="0"/>
+              <a:t>95 percent</a:t>
+            </a:r>
+            <a:r>
+              <a:rPr lang="ko-KR" altLang="en-US" dirty="0"/>
+              <a:t> </a:t>
+            </a:r>
+            <a:r>
+              <a:rPr lang="en-US" altLang="ko-KR" dirty="0"/>
+              <a:t>confidence</a:t>
+            </a:r>
+            <a:r>
+              <a:rPr lang="ko-KR" altLang="en-US" dirty="0"/>
+              <a:t> </a:t>
+            </a:r>
+            <a:r>
+              <a:rPr lang="en-US" altLang="ko-KR" dirty="0"/>
+              <a:t>interval</a:t>
+            </a:r>
+          </a:p>
+          <a:p>
+            <a:pPr marL="285750" indent="-285750" algn="l">
+              <a:buFont typeface="Arial" panose="020B0604020202020204" pitchFamily="34" charset="0"/>
+              <a:buChar char="•"/>
+            </a:pPr>
+            <a:endParaRPr lang="ko-KR" altLang="en-US" dirty="0"/>
+          </a:p>
+        </p:txBody>
+      </p:sp>
+      <p:sp>
+        <p:nvSpPr>
+          <p:cNvPr id="9" name="TextBox 8">
+            <a:extLst>
+              <a:ext uri="{FF2B5EF4-FFF2-40B4-BE49-F238E27FC236}">
+                <a16:creationId xmlns:a16="http://schemas.microsoft.com/office/drawing/2014/main" id="{DFC2C1B3-46D2-4ACB-930C-345A3A5A5AEC}"/>
+              </a:ext>
+            </a:extLst>
+          </p:cNvPr>
+          <p:cNvSpPr txBox="1"/>
+          <p:nvPr/>
+        </p:nvSpPr>
+        <p:spPr>
+          <a:xfrm>
+            <a:off x="6096000" y="4889634"/>
+            <a:ext cx="4740149" cy="646331"/>
+          </a:xfrm>
+          <a:prstGeom prst="rect">
+            <a:avLst/>
+          </a:prstGeom>
+          <a:noFill/>
+        </p:spPr>
+        <p:txBody>
+          <a:bodyPr wrap="square" rtlCol="0">
+            <a:spAutoFit/>
+          </a:bodyPr>
+          <a:lstStyle/>
+          <a:p>
+            <a:pPr algn="l"/>
+            <a:r>
+              <a:rPr lang="en-US" altLang="ko-KR" dirty="0"/>
+              <a:t>Ex) C</a:t>
+            </a:r>
+            <a:r>
+              <a:rPr lang="ko-KR" altLang="en-US" dirty="0"/>
+              <a:t>군집과 </a:t>
+            </a:r>
+            <a:r>
+              <a:rPr lang="en-US" altLang="ko-KR" dirty="0"/>
+              <a:t>E</a:t>
+            </a:r>
+            <a:r>
+              <a:rPr lang="ko-KR" altLang="en-US" dirty="0"/>
+              <a:t>군집의 쇼핑 </a:t>
+            </a:r>
+            <a:r>
+              <a:rPr lang="en-US" altLang="ko-KR" dirty="0"/>
+              <a:t>T-</a:t>
+            </a:r>
+            <a:r>
+              <a:rPr lang="ko-KR" altLang="en-US" dirty="0"/>
+              <a:t>검정</a:t>
+            </a:r>
+            <a:endParaRPr lang="en-US" altLang="ko-KR" dirty="0"/>
+          </a:p>
+          <a:p>
+            <a:pPr algn="l"/>
+            <a:r>
+              <a:rPr lang="en-US" altLang="ko-KR" dirty="0"/>
+              <a:t>: P </a:t>
+            </a:r>
+            <a:r>
+              <a:rPr lang="ko-KR" altLang="en-US" dirty="0"/>
+              <a:t>값이 </a:t>
+            </a:r>
+            <a:r>
+              <a:rPr lang="en-US" altLang="ko-KR" dirty="0"/>
+              <a:t>0.05</a:t>
+            </a:r>
+            <a:r>
+              <a:rPr lang="ko-KR" altLang="en-US" dirty="0"/>
+              <a:t>보다 작으므로 차이가 있다</a:t>
+            </a:r>
+          </a:p>
+        </p:txBody>
+      </p:sp>
+    </p:spTree>
+    <p:extLst>
+      <p:ext uri="{BB962C8B-B14F-4D97-AF65-F5344CB8AC3E}">
+        <p14:creationId xmlns:p14="http://schemas.microsoft.com/office/powerpoint/2010/main" val="4280888482"/>
+      </p:ext>
+    </p:extLst>
+  </p:cSld>
+  <p:clrMapOvr>
+    <a:masterClrMapping/>
+  </p:clrMapOvr>
+</p:sld>
+</file>
+
+<file path=ppt/slides/slide12.xml><?xml version="1.0" encoding="utf-8"?>
+<p:sld xmlns:a="http://schemas.openxmlformats.org/drawingml/2006/main" xmlns:r="http://schemas.openxmlformats.org/officeDocument/2006/relationships" xmlns:p="http://schemas.openxmlformats.org/presentationml/2006/main">
+  <p:cSld>
+    <p:spTree>
+      <p:nvGrpSpPr>
+        <p:cNvPr id="1" name=""/>
+        <p:cNvGrpSpPr/>
+        <p:nvPr/>
+      </p:nvGrpSpPr>
+      <p:grpSpPr>
+        <a:xfrm>
+          <a:off x="0" y="0"/>
+          <a:ext cx="0" cy="0"/>
+          <a:chOff x="0" y="0"/>
+          <a:chExt cx="0" cy="0"/>
+        </a:xfrm>
+      </p:grpSpPr>
       <p:graphicFrame>
         <p:nvGraphicFramePr>
           <p:cNvPr id="14" name="표 14">
@@ -12503,7 +13152,7 @@
 </p:sld>
 </file>
 
-<file path=ppt/slides/slide12.xml><?xml version="1.0" encoding="utf-8"?>
+<file path=ppt/slides/slide13.xml><?xml version="1.0" encoding="utf-8"?>
 <p:sld xmlns:a="http://schemas.openxmlformats.org/drawingml/2006/main" xmlns:r="http://schemas.openxmlformats.org/officeDocument/2006/relationships" xmlns:p="http://schemas.openxmlformats.org/presentationml/2006/main">
   <p:cSld>
     <p:spTree>
@@ -14343,7 +14992,7 @@
 </p:sld>
 </file>
 
-<file path=ppt/slides/slide13.xml><?xml version="1.0" encoding="utf-8"?>
+<file path=ppt/slides/slide14.xml><?xml version="1.0" encoding="utf-8"?>
 <p:sld xmlns:a="http://schemas.openxmlformats.org/drawingml/2006/main" xmlns:r="http://schemas.openxmlformats.org/officeDocument/2006/relationships" xmlns:p="http://schemas.openxmlformats.org/presentationml/2006/main">
   <p:cSld>
     <p:spTree>
@@ -16313,7 +16962,7 @@
 </p:sld>
 </file>
 
-<file path=ppt/slides/slide14.xml><?xml version="1.0" encoding="utf-8"?>
+<file path=ppt/slides/slide15.xml><?xml version="1.0" encoding="utf-8"?>
 <p:sld xmlns:a="http://schemas.openxmlformats.org/drawingml/2006/main" xmlns:r="http://schemas.openxmlformats.org/officeDocument/2006/relationships" xmlns:p="http://schemas.openxmlformats.org/presentationml/2006/main">
   <p:cSld>
     <p:spTree>
@@ -25273,11 +25922,15 @@
             </a:r>
             <a:r>
               <a:rPr lang="ko-KR" altLang="en-US" b="1" dirty="0"/>
-              <a:t> 평균 </a:t>
-            </a:r>
-            <a:r>
-              <a:rPr lang="ko-KR" altLang="en-US" b="1" dirty="0" err="1"/>
-              <a:t>군집화란</a:t>
+              <a:t> 평균 군집화</a:t>
+            </a:r>
+            <a:r>
+              <a:rPr lang="en-US" altLang="ko-KR" b="1" dirty="0"/>
+              <a:t>(K-Means)</a:t>
+            </a:r>
+            <a:r>
+              <a:rPr lang="ko-KR" altLang="en-US" b="1" dirty="0"/>
+              <a:t>란</a:t>
             </a:r>
             <a:r>
               <a:rPr lang="en-US" altLang="ko-KR" b="1" dirty="0"/>

--- a/ppt/tmp/tmp_ppt.pptx
+++ b/ppt/tmp/tmp_ppt.pptx
@@ -5,7 +5,7 @@
     <p:sldMasterId id="2147483648" r:id="rId1"/>
   </p:sldMasterIdLst>
   <p:notesMasterIdLst>
-    <p:notesMasterId r:id="rId17"/>
+    <p:notesMasterId r:id="rId19"/>
   </p:notesMasterIdLst>
   <p:sldIdLst>
     <p:sldId id="267" r:id="rId2"/>
@@ -23,6 +23,8 @@
     <p:sldId id="265" r:id="rId14"/>
     <p:sldId id="266" r:id="rId15"/>
     <p:sldId id="288" r:id="rId16"/>
+    <p:sldId id="292" r:id="rId17"/>
+    <p:sldId id="293" r:id="rId18"/>
   </p:sldIdLst>
   <p:sldSz cx="12192000" cy="6858000"/>
   <p:notesSz cx="6858000" cy="9144000"/>
@@ -17374,6 +17376,237 @@
 </p:sld>
 </file>
 
+<file path=ppt/slides/slide16.xml><?xml version="1.0" encoding="utf-8"?>
+<p:sld xmlns:a="http://schemas.openxmlformats.org/drawingml/2006/main" xmlns:r="http://schemas.openxmlformats.org/officeDocument/2006/relationships" xmlns:p="http://schemas.openxmlformats.org/presentationml/2006/main">
+  <p:cSld>
+    <p:spTree>
+      <p:nvGrpSpPr>
+        <p:cNvPr id="1" name=""/>
+        <p:cNvGrpSpPr/>
+        <p:nvPr/>
+      </p:nvGrpSpPr>
+      <p:grpSpPr>
+        <a:xfrm>
+          <a:off x="0" y="0"/>
+          <a:ext cx="0" cy="0"/>
+          <a:chOff x="0" y="0"/>
+          <a:chExt cx="0" cy="0"/>
+        </a:xfrm>
+      </p:grpSpPr>
+    </p:spTree>
+    <p:extLst>
+      <p:ext uri="{BB962C8B-B14F-4D97-AF65-F5344CB8AC3E}">
+        <p14:creationId xmlns:p14="http://schemas.microsoft.com/office/powerpoint/2010/main" val="1757968906"/>
+      </p:ext>
+    </p:extLst>
+  </p:cSld>
+  <p:clrMapOvr>
+    <a:masterClrMapping/>
+  </p:clrMapOvr>
+</p:sld>
+</file>
+
+<file path=ppt/slides/slide17.xml><?xml version="1.0" encoding="utf-8"?>
+<p:sld xmlns:a="http://schemas.openxmlformats.org/drawingml/2006/main" xmlns:r="http://schemas.openxmlformats.org/officeDocument/2006/relationships" xmlns:p="http://schemas.openxmlformats.org/presentationml/2006/main">
+  <p:cSld>
+    <p:spTree>
+      <p:nvGrpSpPr>
+        <p:cNvPr id="1" name=""/>
+        <p:cNvGrpSpPr/>
+        <p:nvPr/>
+      </p:nvGrpSpPr>
+      <p:grpSpPr>
+        <a:xfrm>
+          <a:off x="0" y="0"/>
+          <a:ext cx="0" cy="0"/>
+          <a:chOff x="0" y="0"/>
+          <a:chExt cx="0" cy="0"/>
+        </a:xfrm>
+      </p:grpSpPr>
+      <p:sp>
+        <p:nvSpPr>
+          <p:cNvPr id="2" name="TextBox 1">
+            <a:extLst>
+              <a:ext uri="{FF2B5EF4-FFF2-40B4-BE49-F238E27FC236}">
+                <a16:creationId xmlns:a16="http://schemas.microsoft.com/office/drawing/2014/main" id="{4BC71B5C-5E77-4298-9E75-F18437FE46F7}"/>
+              </a:ext>
+            </a:extLst>
+          </p:cNvPr>
+          <p:cNvSpPr txBox="1"/>
+          <p:nvPr/>
+        </p:nvSpPr>
+        <p:spPr>
+          <a:xfrm>
+            <a:off x="808521" y="2204185"/>
+            <a:ext cx="10279782" cy="2769989"/>
+          </a:xfrm>
+          <a:prstGeom prst="rect">
+            <a:avLst/>
+          </a:prstGeom>
+          <a:noFill/>
+        </p:spPr>
+        <p:txBody>
+          <a:bodyPr wrap="square" rtlCol="0">
+            <a:spAutoFit/>
+          </a:bodyPr>
+          <a:lstStyle/>
+          <a:p>
+            <a:pPr algn="l"/>
+            <a:r>
+              <a:rPr lang="ko-KR" altLang="en-US" sz="2400" b="1" dirty="0"/>
+              <a:t>출처</a:t>
+            </a:r>
+            <a:endParaRPr lang="en-US" altLang="ko-KR" sz="2400" b="1" dirty="0"/>
+          </a:p>
+          <a:p>
+            <a:pPr algn="l"/>
+            <a:endParaRPr lang="en-US" altLang="ko-KR" sz="2400" b="1" dirty="0"/>
+          </a:p>
+          <a:p>
+            <a:pPr marL="285750" indent="-285750">
+              <a:buFont typeface="Arial" panose="020B0604020202020204" pitchFamily="34" charset="0"/>
+              <a:buChar char="•"/>
+            </a:pPr>
+            <a:r>
+              <a:rPr lang="ko-KR" altLang="en-US" dirty="0" err="1"/>
+              <a:t>문화셈터</a:t>
+            </a:r>
+            <a:r>
+              <a:rPr lang="en-US" altLang="ko-KR" dirty="0"/>
+              <a:t>,</a:t>
+            </a:r>
+            <a:r>
+              <a:rPr lang="ko-KR" altLang="en-US" dirty="0"/>
+              <a:t> </a:t>
+            </a:r>
+            <a:r>
+              <a:rPr lang="en-US" altLang="ko-KR" dirty="0">
+                <a:hlinkClick r:id="rId2"/>
+              </a:rPr>
+              <a:t>http://stat.mcst.go.kr/</a:t>
+            </a:r>
+            <a:endParaRPr lang="en-US" altLang="ko-KR" dirty="0"/>
+          </a:p>
+          <a:p>
+            <a:pPr marL="285750" indent="-285750">
+              <a:buFont typeface="Arial" panose="020B0604020202020204" pitchFamily="34" charset="0"/>
+              <a:buChar char="•"/>
+            </a:pPr>
+            <a:r>
+              <a:rPr lang="ko-KR" altLang="en-US" dirty="0"/>
+              <a:t>한국관광공사</a:t>
+            </a:r>
+            <a:r>
+              <a:rPr lang="en-US" altLang="ko-KR" dirty="0"/>
+              <a:t>, </a:t>
+            </a:r>
+            <a:r>
+              <a:rPr lang="en-US" altLang="ko-KR" dirty="0">
+                <a:hlinkClick r:id="rId3"/>
+              </a:rPr>
+              <a:t>https://kto.visitkorea.or.kr/</a:t>
+            </a:r>
+            <a:endParaRPr lang="en-US" altLang="ko-KR" dirty="0"/>
+          </a:p>
+          <a:p>
+            <a:pPr marL="285750" indent="-285750">
+              <a:buFont typeface="Arial" panose="020B0604020202020204" pitchFamily="34" charset="0"/>
+              <a:buChar char="•"/>
+            </a:pPr>
+            <a:r>
+              <a:rPr lang="en-US" altLang="ko-KR" dirty="0"/>
+              <a:t>(</a:t>
+            </a:r>
+            <a:r>
+              <a:rPr lang="ko-KR" altLang="en-US" dirty="0"/>
+              <a:t>재</a:t>
+            </a:r>
+            <a:r>
+              <a:rPr lang="en-US" altLang="ko-KR" dirty="0"/>
+              <a:t>)</a:t>
+            </a:r>
+            <a:r>
+              <a:rPr lang="ko-KR" altLang="en-US" dirty="0"/>
+              <a:t> 한국방문위원회</a:t>
+            </a:r>
+            <a:r>
+              <a:rPr lang="en-US" altLang="ko-KR" dirty="0"/>
+              <a:t>, </a:t>
+            </a:r>
+            <a:r>
+              <a:rPr lang="en-US" altLang="ko-KR" dirty="0">
+                <a:hlinkClick r:id="rId4"/>
+              </a:rPr>
+              <a:t>https://vkc.or.kr/</a:t>
+            </a:r>
+            <a:endParaRPr lang="en-US" altLang="ko-KR" dirty="0"/>
+          </a:p>
+          <a:p>
+            <a:pPr marL="285750" indent="-285750">
+              <a:buFont typeface="Arial" panose="020B0604020202020204" pitchFamily="34" charset="0"/>
+              <a:buChar char="•"/>
+            </a:pPr>
+            <a:r>
+              <a:rPr lang="ko-KR" altLang="en-US" dirty="0"/>
+              <a:t>무슬림 친화 레스토랑 </a:t>
+            </a:r>
+            <a:r>
+              <a:rPr lang="ko-KR" altLang="en-US" dirty="0" err="1"/>
+              <a:t>분류제</a:t>
+            </a:r>
+            <a:r>
+              <a:rPr lang="en-US" altLang="ko-KR" dirty="0"/>
+              <a:t>, http://www.mfrk.or.kr/</a:t>
+            </a:r>
+          </a:p>
+          <a:p>
+            <a:pPr marL="285750" indent="-285750">
+              <a:buFont typeface="Arial" panose="020B0604020202020204" pitchFamily="34" charset="0"/>
+              <a:buChar char="•"/>
+            </a:pPr>
+            <a:r>
+              <a:rPr lang="ko-KR" altLang="en-US" dirty="0"/>
+              <a:t>신한카드 데이터</a:t>
+            </a:r>
+            <a:endParaRPr lang="en-US" altLang="ko-KR" dirty="0"/>
+          </a:p>
+          <a:p>
+            <a:pPr marL="285750" indent="-285750">
+              <a:buFont typeface="Arial" panose="020B0604020202020204" pitchFamily="34" charset="0"/>
+              <a:buChar char="•"/>
+            </a:pPr>
+            <a:r>
+              <a:rPr lang="en-US" altLang="ko-KR" dirty="0"/>
+              <a:t>GLOBAL MUSLIM TRAVEL INDEX 2019, </a:t>
+            </a:r>
+            <a:r>
+              <a:rPr lang="en-US" altLang="ko-KR" dirty="0" err="1"/>
+              <a:t>Crescentrating</a:t>
+            </a:r>
+            <a:endParaRPr lang="en-US" altLang="ko-KR" dirty="0"/>
+          </a:p>
+          <a:p>
+            <a:pPr marL="285750" indent="-285750">
+              <a:buFont typeface="Arial" panose="020B0604020202020204" pitchFamily="34" charset="0"/>
+              <a:buChar char="•"/>
+            </a:pPr>
+            <a:endParaRPr lang="en-US" altLang="ko-KR" dirty="0"/>
+          </a:p>
+        </p:txBody>
+      </p:sp>
+    </p:spTree>
+    <p:extLst>
+      <p:ext uri="{BB962C8B-B14F-4D97-AF65-F5344CB8AC3E}">
+        <p14:creationId xmlns:p14="http://schemas.microsoft.com/office/powerpoint/2010/main" val="4116191223"/>
+      </p:ext>
+    </p:extLst>
+  </p:cSld>
+  <p:clrMapOvr>
+    <a:masterClrMapping/>
+  </p:clrMapOvr>
+</p:sld>
+</file>
+
 <file path=ppt/slides/slide2.xml><?xml version="1.0" encoding="utf-8"?>
 <p:sld xmlns:a="http://schemas.openxmlformats.org/drawingml/2006/main" xmlns:r="http://schemas.openxmlformats.org/officeDocument/2006/relationships" xmlns:p="http://schemas.openxmlformats.org/presentationml/2006/main">
   <p:cSld>
